--- a/documentation/0 architecture/dev-infra-sw-relation-diagram.pptx
+++ b/documentation/0 architecture/dev-infra-sw-relation-diagram.pptx
@@ -5,8 +5,8 @@
     <p:sldMasterId id="2147483648" r:id="rId1"/>
   </p:sldMasterIdLst>
   <p:sldIdLst>
-    <p:sldId id="257" r:id="rId2"/>
-    <p:sldId id="258" r:id="rId3"/>
+    <p:sldId id="258" r:id="rId2"/>
+    <p:sldId id="257" r:id="rId3"/>
   </p:sldIdLst>
   <p:sldSz cx="9144000" cy="6858000" type="screen4x3"/>
   <p:notesSz cx="6858000" cy="9144000"/>
@@ -289,7 +289,7 @@
           <a:p>
             <a:fld id="{FB30EDBD-1C2D-4C1E-B459-B60219FAB484}" type="datetimeFigureOut">
               <a:rPr lang="ko-KR" altLang="en-US" smtClean="0"/>
-              <a:t>2013-11-08</a:t>
+              <a:t>2013-11-19</a:t>
             </a:fld>
             <a:endParaRPr lang="ko-KR" altLang="en-US"/>
           </a:p>
@@ -454,7 +454,7 @@
           <a:p>
             <a:fld id="{FB30EDBD-1C2D-4C1E-B459-B60219FAB484}" type="datetimeFigureOut">
               <a:rPr lang="ko-KR" altLang="en-US" smtClean="0"/>
-              <a:t>2013-11-08</a:t>
+              <a:t>2013-11-19</a:t>
             </a:fld>
             <a:endParaRPr lang="ko-KR" altLang="en-US"/>
           </a:p>
@@ -629,7 +629,7 @@
           <a:p>
             <a:fld id="{FB30EDBD-1C2D-4C1E-B459-B60219FAB484}" type="datetimeFigureOut">
               <a:rPr lang="ko-KR" altLang="en-US" smtClean="0"/>
-              <a:t>2013-11-08</a:t>
+              <a:t>2013-11-19</a:t>
             </a:fld>
             <a:endParaRPr lang="ko-KR" altLang="en-US"/>
           </a:p>
@@ -794,7 +794,7 @@
           <a:p>
             <a:fld id="{FB30EDBD-1C2D-4C1E-B459-B60219FAB484}" type="datetimeFigureOut">
               <a:rPr lang="ko-KR" altLang="en-US" smtClean="0"/>
-              <a:t>2013-11-08</a:t>
+              <a:t>2013-11-19</a:t>
             </a:fld>
             <a:endParaRPr lang="ko-KR" altLang="en-US"/>
           </a:p>
@@ -1035,7 +1035,7 @@
           <a:p>
             <a:fld id="{FB30EDBD-1C2D-4C1E-B459-B60219FAB484}" type="datetimeFigureOut">
               <a:rPr lang="ko-KR" altLang="en-US" smtClean="0"/>
-              <a:t>2013-11-08</a:t>
+              <a:t>2013-11-19</a:t>
             </a:fld>
             <a:endParaRPr lang="ko-KR" altLang="en-US"/>
           </a:p>
@@ -1318,7 +1318,7 @@
           <a:p>
             <a:fld id="{FB30EDBD-1C2D-4C1E-B459-B60219FAB484}" type="datetimeFigureOut">
               <a:rPr lang="ko-KR" altLang="en-US" smtClean="0"/>
-              <a:t>2013-11-08</a:t>
+              <a:t>2013-11-19</a:t>
             </a:fld>
             <a:endParaRPr lang="ko-KR" altLang="en-US"/>
           </a:p>
@@ -1735,7 +1735,7 @@
           <a:p>
             <a:fld id="{FB30EDBD-1C2D-4C1E-B459-B60219FAB484}" type="datetimeFigureOut">
               <a:rPr lang="ko-KR" altLang="en-US" smtClean="0"/>
-              <a:t>2013-11-08</a:t>
+              <a:t>2013-11-19</a:t>
             </a:fld>
             <a:endParaRPr lang="ko-KR" altLang="en-US"/>
           </a:p>
@@ -1848,7 +1848,7 @@
           <a:p>
             <a:fld id="{FB30EDBD-1C2D-4C1E-B459-B60219FAB484}" type="datetimeFigureOut">
               <a:rPr lang="ko-KR" altLang="en-US" smtClean="0"/>
-              <a:t>2013-11-08</a:t>
+              <a:t>2013-11-19</a:t>
             </a:fld>
             <a:endParaRPr lang="ko-KR" altLang="en-US"/>
           </a:p>
@@ -1938,7 +1938,7 @@
           <a:p>
             <a:fld id="{FB30EDBD-1C2D-4C1E-B459-B60219FAB484}" type="datetimeFigureOut">
               <a:rPr lang="ko-KR" altLang="en-US" smtClean="0"/>
-              <a:t>2013-11-08</a:t>
+              <a:t>2013-11-19</a:t>
             </a:fld>
             <a:endParaRPr lang="ko-KR" altLang="en-US"/>
           </a:p>
@@ -2210,7 +2210,7 @@
           <a:p>
             <a:fld id="{FB30EDBD-1C2D-4C1E-B459-B60219FAB484}" type="datetimeFigureOut">
               <a:rPr lang="ko-KR" altLang="en-US" smtClean="0"/>
-              <a:t>2013-11-08</a:t>
+              <a:t>2013-11-19</a:t>
             </a:fld>
             <a:endParaRPr lang="ko-KR" altLang="en-US"/>
           </a:p>
@@ -2458,7 +2458,7 @@
           <a:p>
             <a:fld id="{FB30EDBD-1C2D-4C1E-B459-B60219FAB484}" type="datetimeFigureOut">
               <a:rPr lang="ko-KR" altLang="en-US" smtClean="0"/>
-              <a:t>2013-11-08</a:t>
+              <a:t>2013-11-19</a:t>
             </a:fld>
             <a:endParaRPr lang="ko-KR" altLang="en-US"/>
           </a:p>
@@ -2666,7 +2666,7 @@
           <a:p>
             <a:fld id="{FB30EDBD-1C2D-4C1E-B459-B60219FAB484}" type="datetimeFigureOut">
               <a:rPr lang="ko-KR" altLang="en-US" smtClean="0"/>
-              <a:t>2013-11-08</a:t>
+              <a:t>2013-11-19</a:t>
             </a:fld>
             <a:endParaRPr lang="ko-KR" altLang="en-US"/>
           </a:p>
@@ -3072,7 +3072,7 @@
             <a:pPr algn="ctr"/>
             <a:r>
               <a:rPr lang="en-US" altLang="ko-KR" sz="1000" dirty="0" smtClean="0"/>
-              <a:t>Nexus</a:t>
+              <a:t>Artifact Repository</a:t>
             </a:r>
             <a:endParaRPr lang="ko-KR" altLang="en-US" sz="1000" dirty="0"/>
           </a:p>
@@ -3113,8 +3113,8 @@
           <a:p>
             <a:pPr algn="ctr"/>
             <a:r>
-              <a:rPr lang="en-US" altLang="ko-KR" sz="1000" dirty="0" err="1" smtClean="0"/>
-              <a:t>MediaWiki</a:t>
+              <a:rPr lang="en-US" altLang="ko-KR" sz="1000" dirty="0" smtClean="0"/>
+              <a:t>Document</a:t>
             </a:r>
             <a:endParaRPr lang="ko-KR" altLang="en-US" sz="1000" dirty="0"/>
           </a:p>
@@ -3158,8 +3158,8 @@
           <a:p>
             <a:pPr algn="ctr"/>
             <a:r>
-              <a:rPr lang="en-US" altLang="ko-KR" sz="1000" dirty="0" err="1" smtClean="0"/>
-              <a:t>Redmine</a:t>
+              <a:rPr lang="en-US" altLang="ko-KR" sz="1000" dirty="0" smtClean="0"/>
+              <a:t>Issue Tracker</a:t>
             </a:r>
             <a:endParaRPr lang="ko-KR" altLang="en-US" sz="1000" dirty="0"/>
           </a:p>
@@ -3201,7 +3201,7 @@
             <a:pPr algn="ctr"/>
             <a:r>
               <a:rPr lang="en-US" altLang="ko-KR" sz="1000" dirty="0" smtClean="0"/>
-              <a:t>Subversion</a:t>
+              <a:t>SCM</a:t>
             </a:r>
             <a:endParaRPr lang="ko-KR" altLang="en-US" sz="1000" dirty="0"/>
           </a:p>
@@ -3246,7 +3246,7 @@
             <a:pPr algn="ctr"/>
             <a:r>
               <a:rPr lang="en-US" altLang="ko-KR" sz="1000" dirty="0" smtClean="0"/>
-              <a:t>Review Board</a:t>
+              <a:t>Review</a:t>
             </a:r>
             <a:endParaRPr lang="ko-KR" altLang="en-US" sz="1000" dirty="0"/>
           </a:p>
@@ -3290,8 +3290,8 @@
           <a:p>
             <a:pPr algn="ctr"/>
             <a:r>
-              <a:rPr lang="en-US" altLang="ko-KR" sz="1000" dirty="0" err="1" smtClean="0"/>
-              <a:t>TestLink</a:t>
+              <a:rPr lang="en-US" altLang="ko-KR" sz="1000" dirty="0" smtClean="0"/>
+              <a:t>Test Management</a:t>
             </a:r>
             <a:endParaRPr lang="ko-KR" altLang="en-US" sz="1000" dirty="0"/>
           </a:p>
@@ -3332,8 +3332,8 @@
           <a:p>
             <a:pPr algn="ctr"/>
             <a:r>
-              <a:rPr lang="en-US" altLang="ko-KR" sz="1000" dirty="0" err="1" smtClean="0"/>
-              <a:t>WebtoB</a:t>
+              <a:rPr lang="en-US" altLang="ko-KR" sz="1000" dirty="0" smtClean="0"/>
+              <a:t>Web Server</a:t>
             </a:r>
             <a:endParaRPr lang="ko-KR" altLang="en-US" sz="1000" dirty="0"/>
           </a:p>
@@ -3374,8 +3374,8 @@
           <a:p>
             <a:pPr algn="ctr"/>
             <a:r>
-              <a:rPr lang="en-US" altLang="ko-KR" sz="1000" dirty="0" err="1" smtClean="0"/>
-              <a:t>Jeus</a:t>
+              <a:rPr lang="en-US" altLang="ko-KR" sz="1000" dirty="0" smtClean="0"/>
+              <a:t>WAS</a:t>
             </a:r>
             <a:endParaRPr lang="ko-KR" altLang="en-US" sz="1000" dirty="0"/>
           </a:p>
@@ -3417,7 +3417,7 @@
             <a:pPr algn="ctr"/>
             <a:r>
               <a:rPr lang="en-US" altLang="ko-KR" sz="1000" dirty="0" smtClean="0"/>
-              <a:t>Oracle</a:t>
+              <a:t>DBMS</a:t>
             </a:r>
             <a:endParaRPr lang="ko-KR" altLang="en-US" sz="1000" dirty="0"/>
           </a:p>
@@ -3459,7 +3459,7 @@
             <a:pPr algn="ctr"/>
             <a:r>
               <a:rPr lang="en-US" altLang="ko-KR" sz="1000" dirty="0" smtClean="0"/>
-              <a:t>Jenkins</a:t>
+              <a:t>CI</a:t>
             </a:r>
             <a:endParaRPr lang="ko-KR" altLang="en-US" sz="1000" dirty="0"/>
           </a:p>
@@ -3504,7 +3504,7 @@
             <a:pPr algn="ctr"/>
             <a:r>
               <a:rPr lang="en-US" altLang="ko-KR" sz="1000" dirty="0" smtClean="0"/>
-              <a:t>Moodle</a:t>
+              <a:t>Learning</a:t>
             </a:r>
             <a:endParaRPr lang="ko-KR" altLang="en-US" sz="1000" dirty="0"/>
           </a:p>
@@ -3545,8 +3545,8 @@
           <a:p>
             <a:pPr algn="ctr"/>
             <a:r>
-              <a:rPr lang="en-US" altLang="ko-KR" sz="1000" dirty="0" err="1" smtClean="0"/>
-              <a:t>WebtoB</a:t>
+              <a:rPr lang="en-US" altLang="ko-KR" sz="1000" dirty="0" smtClean="0"/>
+              <a:t>Web Server</a:t>
             </a:r>
             <a:endParaRPr lang="ko-KR" altLang="en-US" sz="1000" dirty="0"/>
           </a:p>
@@ -3587,8 +3587,8 @@
           <a:p>
             <a:pPr algn="ctr"/>
             <a:r>
-              <a:rPr lang="en-US" altLang="ko-KR" sz="1000" dirty="0" err="1" smtClean="0"/>
-              <a:t>Jeus</a:t>
+              <a:rPr lang="en-US" altLang="ko-KR" sz="1000" dirty="0" smtClean="0"/>
+              <a:t>WAS</a:t>
             </a:r>
             <a:endParaRPr lang="ko-KR" altLang="en-US" sz="1000" dirty="0"/>
           </a:p>
@@ -3630,7 +3630,7 @@
             <a:pPr algn="ctr"/>
             <a:r>
               <a:rPr lang="en-US" altLang="ko-KR" sz="1000" dirty="0" smtClean="0"/>
-              <a:t>STS</a:t>
+              <a:t>IDE</a:t>
             </a:r>
             <a:endParaRPr lang="ko-KR" altLang="en-US" sz="1000" dirty="0"/>
           </a:p>
@@ -3782,7 +3782,7 @@
             <a:pPr algn="ctr"/>
             <a:r>
               <a:rPr lang="en-US" altLang="ko-KR" sz="1000" dirty="0" smtClean="0"/>
-              <a:t>Chrome</a:t>
+              <a:t>Web Browser</a:t>
             </a:r>
             <a:endParaRPr lang="ko-KR" altLang="en-US" sz="1000" dirty="0"/>
           </a:p>
@@ -4180,7 +4180,7 @@
             <a:pPr algn="ctr"/>
             <a:r>
               <a:rPr lang="en-US" altLang="ko-KR" sz="1000" dirty="0" smtClean="0"/>
-              <a:t>Maven</a:t>
+              <a:t>Build</a:t>
             </a:r>
             <a:endParaRPr lang="ko-KR" altLang="en-US" sz="1000" dirty="0"/>
           </a:p>
@@ -4473,8 +4473,8 @@
           <a:p>
             <a:pPr algn="ctr"/>
             <a:r>
-              <a:rPr lang="en-US" altLang="ko-KR" sz="1000" dirty="0" err="1" smtClean="0"/>
-              <a:t>WebtoB</a:t>
+              <a:rPr lang="en-US" altLang="ko-KR" sz="1000" dirty="0" smtClean="0"/>
+              <a:t>Web Server</a:t>
             </a:r>
             <a:endParaRPr lang="ko-KR" altLang="en-US" sz="1000" dirty="0"/>
           </a:p>
@@ -4515,8 +4515,8 @@
           <a:p>
             <a:pPr algn="ctr"/>
             <a:r>
-              <a:rPr lang="en-US" altLang="ko-KR" sz="1000" dirty="0" err="1" smtClean="0"/>
-              <a:t>Jeus</a:t>
+              <a:rPr lang="en-US" altLang="ko-KR" sz="1000" dirty="0" smtClean="0"/>
+              <a:t>WAS</a:t>
             </a:r>
             <a:endParaRPr lang="ko-KR" altLang="en-US" sz="1000" dirty="0"/>
           </a:p>
@@ -4558,7 +4558,7 @@
             <a:pPr algn="ctr"/>
             <a:r>
               <a:rPr lang="en-US" altLang="ko-KR" sz="1000" dirty="0" smtClean="0"/>
-              <a:t>Oracle</a:t>
+              <a:t>DBMS</a:t>
             </a:r>
             <a:endParaRPr lang="ko-KR" altLang="en-US" sz="1000" dirty="0"/>
           </a:p>
@@ -4671,8 +4671,8 @@
           <a:p>
             <a:pPr algn="ctr"/>
             <a:r>
-              <a:rPr lang="en-US" altLang="ko-KR" sz="1000" dirty="0" err="1" smtClean="0"/>
-              <a:t>WebtoB</a:t>
+              <a:rPr lang="en-US" altLang="ko-KR" sz="1000" dirty="0" smtClean="0"/>
+              <a:t>Web Server</a:t>
             </a:r>
             <a:endParaRPr lang="ko-KR" altLang="en-US" sz="1000" dirty="0"/>
           </a:p>
@@ -4713,8 +4713,8 @@
           <a:p>
             <a:pPr algn="ctr"/>
             <a:r>
-              <a:rPr lang="en-US" altLang="ko-KR" sz="1000" dirty="0" err="1" smtClean="0"/>
-              <a:t>Jeus</a:t>
+              <a:rPr lang="en-US" altLang="ko-KR" sz="1000" dirty="0" smtClean="0"/>
+              <a:t>WAS</a:t>
             </a:r>
             <a:endParaRPr lang="ko-KR" altLang="en-US" sz="1000" dirty="0"/>
           </a:p>
@@ -4756,7 +4756,7 @@
             <a:pPr algn="ctr"/>
             <a:r>
               <a:rPr lang="en-US" altLang="ko-KR" sz="1000" dirty="0" smtClean="0"/>
-              <a:t>Oracle</a:t>
+              <a:t>DBMS</a:t>
             </a:r>
             <a:endParaRPr lang="ko-KR" altLang="en-US" sz="1000" dirty="0"/>
           </a:p>
@@ -4977,8 +4977,8 @@
           <a:p>
             <a:pPr algn="ctr"/>
             <a:r>
-              <a:rPr lang="en-US" altLang="ko-KR" sz="1000" dirty="0" err="1" smtClean="0"/>
-              <a:t>Protex</a:t>
+              <a:rPr lang="en-US" altLang="ko-KR" sz="1000" dirty="0" smtClean="0"/>
+              <a:t>OSS Analyzer</a:t>
             </a:r>
             <a:endParaRPr lang="ko-KR" altLang="en-US" sz="1000" dirty="0"/>
           </a:p>
@@ -5573,7 +5573,7 @@
             <a:pPr algn="ctr"/>
             <a:r>
               <a:rPr lang="en-US" altLang="ko-KR" sz="1000" dirty="0" smtClean="0"/>
-              <a:t>Jennifer</a:t>
+              <a:t>APM</a:t>
             </a:r>
             <a:endParaRPr lang="ko-KR" altLang="en-US" sz="1000" dirty="0"/>
           </a:p>
@@ -5651,7 +5651,7 @@
             <a:pPr algn="ctr"/>
             <a:r>
               <a:rPr lang="en-US" altLang="ko-KR" sz="1000" dirty="0" smtClean="0"/>
-              <a:t>Load Runner</a:t>
+              <a:t>Stress Test</a:t>
             </a:r>
             <a:endParaRPr lang="ko-KR" altLang="en-US" sz="1000" dirty="0"/>
           </a:p>
@@ -5732,13 +5732,20 @@
     </p:spTree>
     <p:extLst>
       <p:ext uri="{BB962C8B-B14F-4D97-AF65-F5344CB8AC3E}">
-        <p14:creationId xmlns:p14="http://schemas.microsoft.com/office/powerpoint/2010/main" val="2259972243"/>
+        <p14:creationId xmlns:p14="http://schemas.microsoft.com/office/powerpoint/2010/main" val="4205968801"/>
       </p:ext>
     </p:extLst>
   </p:cSld>
   <p:clrMapOvr>
     <a:masterClrMapping/>
   </p:clrMapOvr>
+  <p:timing>
+    <p:tnLst>
+      <p:par>
+        <p:cTn id="1" dur="indefinite" restart="never" nodeType="tmRoot"/>
+      </p:par>
+    </p:tnLst>
+  </p:timing>
 </p:sld>
 </file>
 
@@ -5795,7 +5802,7 @@
             <a:pPr algn="ctr"/>
             <a:r>
               <a:rPr lang="en-US" altLang="ko-KR" sz="1000" dirty="0" smtClean="0"/>
-              <a:t>Artifact Repository</a:t>
+              <a:t>Nexus</a:t>
             </a:r>
             <a:endParaRPr lang="ko-KR" altLang="en-US" sz="1000" dirty="0"/>
           </a:p>
@@ -5836,8 +5843,8 @@
           <a:p>
             <a:pPr algn="ctr"/>
             <a:r>
-              <a:rPr lang="en-US" altLang="ko-KR" sz="1000" dirty="0" smtClean="0"/>
-              <a:t>Document</a:t>
+              <a:rPr lang="en-US" altLang="ko-KR" sz="1000" dirty="0" err="1" smtClean="0"/>
+              <a:t>MediaWiki</a:t>
             </a:r>
             <a:endParaRPr lang="ko-KR" altLang="en-US" sz="1000" dirty="0"/>
           </a:p>
@@ -5881,8 +5888,8 @@
           <a:p>
             <a:pPr algn="ctr"/>
             <a:r>
-              <a:rPr lang="en-US" altLang="ko-KR" sz="1000" dirty="0" smtClean="0"/>
-              <a:t>Issue Tracker</a:t>
+              <a:rPr lang="en-US" altLang="ko-KR" sz="1000" dirty="0" err="1" smtClean="0"/>
+              <a:t>Redmine</a:t>
             </a:r>
             <a:endParaRPr lang="ko-KR" altLang="en-US" sz="1000" dirty="0"/>
           </a:p>
@@ -5924,7 +5931,7 @@
             <a:pPr algn="ctr"/>
             <a:r>
               <a:rPr lang="en-US" altLang="ko-KR" sz="1000" dirty="0" smtClean="0"/>
-              <a:t>SCM</a:t>
+              <a:t>Subversion</a:t>
             </a:r>
             <a:endParaRPr lang="ko-KR" altLang="en-US" sz="1000" dirty="0"/>
           </a:p>
@@ -5969,7 +5976,7 @@
             <a:pPr algn="ctr"/>
             <a:r>
               <a:rPr lang="en-US" altLang="ko-KR" sz="1000" dirty="0" smtClean="0"/>
-              <a:t>Review</a:t>
+              <a:t>Review Board</a:t>
             </a:r>
             <a:endParaRPr lang="ko-KR" altLang="en-US" sz="1000" dirty="0"/>
           </a:p>
@@ -6013,8 +6020,8 @@
           <a:p>
             <a:pPr algn="ctr"/>
             <a:r>
-              <a:rPr lang="en-US" altLang="ko-KR" sz="1000" dirty="0" smtClean="0"/>
-              <a:t>Test Management</a:t>
+              <a:rPr lang="en-US" altLang="ko-KR" sz="1000" dirty="0" err="1" smtClean="0"/>
+              <a:t>TestLink</a:t>
             </a:r>
             <a:endParaRPr lang="ko-KR" altLang="en-US" sz="1000" dirty="0"/>
           </a:p>
@@ -6055,8 +6062,8 @@
           <a:p>
             <a:pPr algn="ctr"/>
             <a:r>
-              <a:rPr lang="en-US" altLang="ko-KR" sz="1000" dirty="0" smtClean="0"/>
-              <a:t>Web Server</a:t>
+              <a:rPr lang="en-US" altLang="ko-KR" sz="1000" dirty="0" err="1" smtClean="0"/>
+              <a:t>WebtoB</a:t>
             </a:r>
             <a:endParaRPr lang="ko-KR" altLang="en-US" sz="1000" dirty="0"/>
           </a:p>
@@ -6097,8 +6104,8 @@
           <a:p>
             <a:pPr algn="ctr"/>
             <a:r>
-              <a:rPr lang="en-US" altLang="ko-KR" sz="1000" dirty="0" smtClean="0"/>
-              <a:t>WAS</a:t>
+              <a:rPr lang="en-US" altLang="ko-KR" sz="1000" dirty="0" err="1" smtClean="0"/>
+              <a:t>Jeus</a:t>
             </a:r>
             <a:endParaRPr lang="ko-KR" altLang="en-US" sz="1000" dirty="0"/>
           </a:p>
@@ -6140,7 +6147,7 @@
             <a:pPr algn="ctr"/>
             <a:r>
               <a:rPr lang="en-US" altLang="ko-KR" sz="1000" dirty="0" smtClean="0"/>
-              <a:t>DBMS</a:t>
+              <a:t>Oracle</a:t>
             </a:r>
             <a:endParaRPr lang="ko-KR" altLang="en-US" sz="1000" dirty="0"/>
           </a:p>
@@ -6182,7 +6189,7 @@
             <a:pPr algn="ctr"/>
             <a:r>
               <a:rPr lang="en-US" altLang="ko-KR" sz="1000" dirty="0" smtClean="0"/>
-              <a:t>CI</a:t>
+              <a:t>Jenkins</a:t>
             </a:r>
             <a:endParaRPr lang="ko-KR" altLang="en-US" sz="1000" dirty="0"/>
           </a:p>
@@ -6227,7 +6234,7 @@
             <a:pPr algn="ctr"/>
             <a:r>
               <a:rPr lang="en-US" altLang="ko-KR" sz="1000" dirty="0" smtClean="0"/>
-              <a:t>Learning</a:t>
+              <a:t>Moodle</a:t>
             </a:r>
             <a:endParaRPr lang="ko-KR" altLang="en-US" sz="1000" dirty="0"/>
           </a:p>
@@ -6268,8 +6275,8 @@
           <a:p>
             <a:pPr algn="ctr"/>
             <a:r>
-              <a:rPr lang="en-US" altLang="ko-KR" sz="1000" dirty="0" smtClean="0"/>
-              <a:t>Web Server</a:t>
+              <a:rPr lang="en-US" altLang="ko-KR" sz="1000" dirty="0" err="1" smtClean="0"/>
+              <a:t>WebtoB</a:t>
             </a:r>
             <a:endParaRPr lang="ko-KR" altLang="en-US" sz="1000" dirty="0"/>
           </a:p>
@@ -6310,8 +6317,8 @@
           <a:p>
             <a:pPr algn="ctr"/>
             <a:r>
-              <a:rPr lang="en-US" altLang="ko-KR" sz="1000" dirty="0" smtClean="0"/>
-              <a:t>WAS</a:t>
+              <a:rPr lang="en-US" altLang="ko-KR" sz="1000" dirty="0" err="1" smtClean="0"/>
+              <a:t>Jeus</a:t>
             </a:r>
             <a:endParaRPr lang="ko-KR" altLang="en-US" sz="1000" dirty="0"/>
           </a:p>
@@ -6353,7 +6360,7 @@
             <a:pPr algn="ctr"/>
             <a:r>
               <a:rPr lang="en-US" altLang="ko-KR" sz="1000" dirty="0" smtClean="0"/>
-              <a:t>IDE</a:t>
+              <a:t>STS</a:t>
             </a:r>
             <a:endParaRPr lang="ko-KR" altLang="en-US" sz="1000" dirty="0"/>
           </a:p>
@@ -6505,7 +6512,7 @@
             <a:pPr algn="ctr"/>
             <a:r>
               <a:rPr lang="en-US" altLang="ko-KR" sz="1000" dirty="0" smtClean="0"/>
-              <a:t>Web Browser</a:t>
+              <a:t>Chrome</a:t>
             </a:r>
             <a:endParaRPr lang="ko-KR" altLang="en-US" sz="1000" dirty="0"/>
           </a:p>
@@ -6903,7 +6910,7 @@
             <a:pPr algn="ctr"/>
             <a:r>
               <a:rPr lang="en-US" altLang="ko-KR" sz="1000" dirty="0" smtClean="0"/>
-              <a:t>Build</a:t>
+              <a:t>Maven</a:t>
             </a:r>
             <a:endParaRPr lang="ko-KR" altLang="en-US" sz="1000" dirty="0"/>
           </a:p>
@@ -7196,8 +7203,8 @@
           <a:p>
             <a:pPr algn="ctr"/>
             <a:r>
-              <a:rPr lang="en-US" altLang="ko-KR" sz="1000" dirty="0" smtClean="0"/>
-              <a:t>Web Server</a:t>
+              <a:rPr lang="en-US" altLang="ko-KR" sz="1000" dirty="0" err="1" smtClean="0"/>
+              <a:t>WebtoB</a:t>
             </a:r>
             <a:endParaRPr lang="ko-KR" altLang="en-US" sz="1000" dirty="0"/>
           </a:p>
@@ -7238,8 +7245,8 @@
           <a:p>
             <a:pPr algn="ctr"/>
             <a:r>
-              <a:rPr lang="en-US" altLang="ko-KR" sz="1000" dirty="0" smtClean="0"/>
-              <a:t>WAS</a:t>
+              <a:rPr lang="en-US" altLang="ko-KR" sz="1000" dirty="0" err="1" smtClean="0"/>
+              <a:t>Jeus</a:t>
             </a:r>
             <a:endParaRPr lang="ko-KR" altLang="en-US" sz="1000" dirty="0"/>
           </a:p>
@@ -7281,7 +7288,7 @@
             <a:pPr algn="ctr"/>
             <a:r>
               <a:rPr lang="en-US" altLang="ko-KR" sz="1000" dirty="0" smtClean="0"/>
-              <a:t>DBMS</a:t>
+              <a:t>Oracle</a:t>
             </a:r>
             <a:endParaRPr lang="ko-KR" altLang="en-US" sz="1000" dirty="0"/>
           </a:p>
@@ -7394,8 +7401,8 @@
           <a:p>
             <a:pPr algn="ctr"/>
             <a:r>
-              <a:rPr lang="en-US" altLang="ko-KR" sz="1000" dirty="0" smtClean="0"/>
-              <a:t>Web Server</a:t>
+              <a:rPr lang="en-US" altLang="ko-KR" sz="1000" dirty="0" err="1" smtClean="0"/>
+              <a:t>WebtoB</a:t>
             </a:r>
             <a:endParaRPr lang="ko-KR" altLang="en-US" sz="1000" dirty="0"/>
           </a:p>
@@ -7436,8 +7443,8 @@
           <a:p>
             <a:pPr algn="ctr"/>
             <a:r>
-              <a:rPr lang="en-US" altLang="ko-KR" sz="1000" dirty="0" smtClean="0"/>
-              <a:t>WAS</a:t>
+              <a:rPr lang="en-US" altLang="ko-KR" sz="1000" dirty="0" err="1" smtClean="0"/>
+              <a:t>Jeus</a:t>
             </a:r>
             <a:endParaRPr lang="ko-KR" altLang="en-US" sz="1000" dirty="0"/>
           </a:p>
@@ -7479,7 +7486,7 @@
             <a:pPr algn="ctr"/>
             <a:r>
               <a:rPr lang="en-US" altLang="ko-KR" sz="1000" dirty="0" smtClean="0"/>
-              <a:t>DBMS</a:t>
+              <a:t>Oracle</a:t>
             </a:r>
             <a:endParaRPr lang="ko-KR" altLang="en-US" sz="1000" dirty="0"/>
           </a:p>
@@ -7700,8 +7707,8 @@
           <a:p>
             <a:pPr algn="ctr"/>
             <a:r>
-              <a:rPr lang="en-US" altLang="ko-KR" sz="1000" dirty="0" smtClean="0"/>
-              <a:t>OSS Analyzer</a:t>
+              <a:rPr lang="en-US" altLang="ko-KR" sz="1000" dirty="0" err="1" smtClean="0"/>
+              <a:t>Protex</a:t>
             </a:r>
             <a:endParaRPr lang="ko-KR" altLang="en-US" sz="1000" dirty="0"/>
           </a:p>
@@ -7881,8 +7888,16 @@
               <a:t>관계도 </a:t>
             </a:r>
             <a:r>
-              <a:rPr lang="en-US" altLang="ko-KR" b="1" smtClean="0"/>
-              <a:t>(Product)</a:t>
+              <a:rPr lang="en-US" altLang="ko-KR" b="1" dirty="0" smtClean="0"/>
+              <a:t>(</a:t>
+            </a:r>
+            <a:r>
+              <a:rPr lang="en-US" altLang="ko-KR" b="1" dirty="0" smtClean="0"/>
+              <a:t>Product</a:t>
+            </a:r>
+            <a:r>
+              <a:rPr lang="en-US" altLang="ko-KR" b="1" dirty="0" smtClean="0"/>
+              <a:t>)</a:t>
             </a:r>
             <a:endParaRPr lang="ko-KR" altLang="en-US" b="1" dirty="0"/>
           </a:p>
@@ -8296,7 +8311,7 @@
             <a:pPr algn="ctr"/>
             <a:r>
               <a:rPr lang="en-US" altLang="ko-KR" sz="1000" dirty="0" smtClean="0"/>
-              <a:t>APM</a:t>
+              <a:t>Jennifer</a:t>
             </a:r>
             <a:endParaRPr lang="ko-KR" altLang="en-US" sz="1000" dirty="0"/>
           </a:p>
@@ -8374,7 +8389,7 @@
             <a:pPr algn="ctr"/>
             <a:r>
               <a:rPr lang="en-US" altLang="ko-KR" sz="1000" dirty="0" smtClean="0"/>
-              <a:t>Stress Test</a:t>
+              <a:t>Load Runner</a:t>
             </a:r>
             <a:endParaRPr lang="ko-KR" altLang="en-US" sz="1000" dirty="0"/>
           </a:p>
@@ -8455,13 +8470,20 @@
     </p:spTree>
     <p:extLst>
       <p:ext uri="{BB962C8B-B14F-4D97-AF65-F5344CB8AC3E}">
-        <p14:creationId xmlns:p14="http://schemas.microsoft.com/office/powerpoint/2010/main" val="4205968801"/>
+        <p14:creationId xmlns:p14="http://schemas.microsoft.com/office/powerpoint/2010/main" val="2259972243"/>
       </p:ext>
     </p:extLst>
   </p:cSld>
   <p:clrMapOvr>
     <a:masterClrMapping/>
   </p:clrMapOvr>
+  <p:timing>
+    <p:tnLst>
+      <p:par>
+        <p:cTn id="1" dur="indefinite" restart="never" nodeType="tmRoot"/>
+      </p:par>
+    </p:tnLst>
+  </p:timing>
 </p:sld>
 </file>
 

--- a/documentation/0 architecture/dev-infra-sw-relation-diagram.pptx
+++ b/documentation/0 architecture/dev-infra-sw-relation-diagram.pptx
@@ -342,6 +342,13 @@
   <p:clrMapOvr>
     <a:masterClrMapping/>
   </p:clrMapOvr>
+  <p:timing>
+    <p:tnLst>
+      <p:par>
+        <p:cTn id="1" dur="indefinite" restart="never" nodeType="tmRoot"/>
+      </p:par>
+    </p:tnLst>
+  </p:timing>
 </p:sldLayout>
 </file>
 
@@ -847,6 +854,13 @@
   <p:clrMapOvr>
     <a:masterClrMapping/>
   </p:clrMapOvr>
+  <p:timing>
+    <p:tnLst>
+      <p:par>
+        <p:cTn id="1" dur="indefinite" restart="never" nodeType="tmRoot"/>
+      </p:par>
+    </p:tnLst>
+  </p:timing>
 </p:sldLayout>
 </file>
 
@@ -1088,6 +1102,13 @@
   <p:clrMapOvr>
     <a:masterClrMapping/>
   </p:clrMapOvr>
+  <p:timing>
+    <p:tnLst>
+      <p:par>
+        <p:cTn id="1" dur="indefinite" restart="never" nodeType="tmRoot"/>
+      </p:par>
+    </p:tnLst>
+  </p:timing>
 </p:sldLayout>
 </file>
 
@@ -2538,6 +2559,67 @@
       </p:grpSpPr>
       <p:sp>
         <p:nvSpPr>
+          <p:cNvPr id="7" name="TextBox 6"/>
+          <p:cNvSpPr txBox="1"/>
+          <p:nvPr userDrawn="1"/>
+        </p:nvSpPr>
+        <p:spPr>
+          <a:xfrm>
+            <a:off x="6084168" y="6237312"/>
+            <a:ext cx="3013333" cy="584775"/>
+          </a:xfrm>
+          <a:prstGeom prst="rect">
+            <a:avLst/>
+          </a:prstGeom>
+          <a:noFill/>
+        </p:spPr>
+        <p:txBody>
+          <a:bodyPr wrap="square" rtlCol="0">
+            <a:spAutoFit/>
+          </a:bodyPr>
+          <a:lstStyle/>
+          <a:p>
+            <a:pPr marL="0" marR="0" indent="0" algn="r" defTabSz="914400" rtl="0" eaLnBrk="1" fontAlgn="auto" latinLnBrk="1" hangingPunct="1">
+              <a:lnSpc>
+                <a:spcPct val="100000"/>
+              </a:lnSpc>
+              <a:spcBef>
+                <a:spcPts val="0"/>
+              </a:spcBef>
+              <a:spcAft>
+                <a:spcPts val="0"/>
+              </a:spcAft>
+              <a:buClrTx/>
+              <a:buSzTx/>
+              <a:buFontTx/>
+              <a:buNone/>
+              <a:tabLst/>
+              <a:defRPr/>
+            </a:pPr>
+            <a:r>
+              <a:rPr lang="en-US" altLang="ko-KR" sz="3200" b="1" dirty="0" smtClean="0">
+                <a:solidFill>
+                  <a:schemeClr val="bg1">
+                    <a:lumMod val="95000"/>
+                  </a:schemeClr>
+                </a:solidFill>
+                <a:latin typeface="Impact" panose="020B0806030902050204" pitchFamily="34" charset="0"/>
+              </a:rPr>
+              <a:t>CODELABOR.ORG</a:t>
+            </a:r>
+            <a:endParaRPr lang="ko-KR" altLang="en-US" sz="3200" b="1" dirty="0" smtClean="0">
+              <a:solidFill>
+                <a:schemeClr val="bg1">
+                  <a:lumMod val="95000"/>
+                </a:schemeClr>
+              </a:solidFill>
+              <a:latin typeface="Impact" panose="020B0806030902050204" pitchFamily="34" charset="0"/>
+            </a:endParaRPr>
+          </a:p>
+        </p:txBody>
+      </p:sp>
+      <p:sp>
+        <p:nvSpPr>
           <p:cNvPr id="2" name="제목 개체 틀 1"/>
           <p:cNvSpPr>
             <a:spLocks noGrp="1"/>
@@ -2596,38 +2678,38 @@
           <a:p>
             <a:pPr lvl="0"/>
             <a:r>
-              <a:rPr lang="ko-KR" altLang="en-US" smtClean="0"/>
+              <a:rPr lang="ko-KR" altLang="en-US" dirty="0" smtClean="0"/>
               <a:t>마스터 텍스트 스타일을 편집합니다</a:t>
             </a:r>
           </a:p>
           <a:p>
             <a:pPr lvl="1"/>
             <a:r>
-              <a:rPr lang="ko-KR" altLang="en-US" smtClean="0"/>
+              <a:rPr lang="ko-KR" altLang="en-US" dirty="0" smtClean="0"/>
               <a:t>둘째 수준</a:t>
             </a:r>
           </a:p>
           <a:p>
             <a:pPr lvl="2"/>
             <a:r>
-              <a:rPr lang="ko-KR" altLang="en-US" smtClean="0"/>
+              <a:rPr lang="ko-KR" altLang="en-US" dirty="0" smtClean="0"/>
               <a:t>셋째 수준</a:t>
             </a:r>
           </a:p>
           <a:p>
             <a:pPr lvl="3"/>
             <a:r>
-              <a:rPr lang="ko-KR" altLang="en-US" smtClean="0"/>
+              <a:rPr lang="ko-KR" altLang="en-US" dirty="0" smtClean="0"/>
               <a:t>넷째 수준</a:t>
             </a:r>
           </a:p>
           <a:p>
             <a:pPr lvl="4"/>
             <a:r>
-              <a:rPr lang="ko-KR" altLang="en-US" smtClean="0"/>
+              <a:rPr lang="ko-KR" altLang="en-US" dirty="0" smtClean="0"/>
               <a:t>다섯째 수준</a:t>
             </a:r>
-            <a:endParaRPr lang="ko-KR" altLang="en-US"/>
+            <a:endParaRPr lang="ko-KR" altLang="en-US" dirty="0"/>
           </a:p>
         </p:txBody>
       </p:sp>
@@ -2705,7 +2787,7 @@
             </a:lvl1pPr>
           </a:lstStyle>
           <a:p>
-            <a:endParaRPr lang="ko-KR" altLang="en-US"/>
+            <a:endParaRPr lang="ko-KR" altLang="en-US" dirty="0"/>
           </a:p>
         </p:txBody>
       </p:sp>
@@ -2746,7 +2828,7 @@
               <a:rPr lang="ko-KR" altLang="en-US" smtClean="0"/>
               <a:t>‹#›</a:t>
             </a:fld>
-            <a:endParaRPr lang="ko-KR" altLang="en-US"/>
+            <a:endParaRPr lang="ko-KR" altLang="en-US" dirty="0"/>
           </a:p>
         </p:txBody>
       </p:sp>
@@ -2766,6 +2848,13 @@
     <p:sldLayoutId id="2147483658" r:id="rId10"/>
     <p:sldLayoutId id="2147483659" r:id="rId11"/>
   </p:sldLayoutIdLst>
+  <p:timing>
+    <p:tnLst>
+      <p:par>
+        <p:cTn id="1" dur="indefinite" restart="never" nodeType="tmRoot"/>
+      </p:par>
+    </p:tnLst>
+  </p:timing>
   <p:txStyles>
     <p:titleStyle>
       <a:lvl1pPr algn="ctr" defTabSz="914400" rtl="0" eaLnBrk="1" latinLnBrk="1" hangingPunct="1">
@@ -7889,15 +7978,7 @@
             </a:r>
             <a:r>
               <a:rPr lang="en-US" altLang="ko-KR" b="1" dirty="0" smtClean="0"/>
-              <a:t>(</a:t>
-            </a:r>
-            <a:r>
-              <a:rPr lang="en-US" altLang="ko-KR" b="1" dirty="0" smtClean="0"/>
-              <a:t>Product</a:t>
-            </a:r>
-            <a:r>
-              <a:rPr lang="en-US" altLang="ko-KR" b="1" dirty="0" smtClean="0"/>
-              <a:t>)</a:t>
+              <a:t>(Product)</a:t>
             </a:r>
             <a:endParaRPr lang="ko-KR" altLang="en-US" b="1" dirty="0"/>
           </a:p>
